--- a/2023 весна/лекции/лекция 11 нов.pptx
+++ b/2023 весна/лекции/лекция 11 нов.pptx
@@ -249,7 +249,7 @@
           <a:p>
             <a:fld id="{F6AC2008-05F8-45B1-A816-9CBD1C15D35E}" type="datetimeFigureOut">
               <a:rPr lang="ru-RU" smtClean="0"/>
-              <a:t>29.11.2021</a:t>
+              <a:t>24.04.2023</a:t>
             </a:fld>
             <a:endParaRPr lang="ru-RU"/>
           </a:p>
@@ -3302,7 +3302,7 @@
           <a:p>
             <a:fld id="{A193646C-F49A-4670-8098-81142323192A}" type="datetimeFigureOut">
               <a:rPr lang="ru-RU" smtClean="0"/>
-              <a:t>29.11.2021</a:t>
+              <a:t>24.04.2023</a:t>
             </a:fld>
             <a:endParaRPr lang="ru-RU"/>
           </a:p>
@@ -3472,7 +3472,7 @@
           <a:p>
             <a:fld id="{A193646C-F49A-4670-8098-81142323192A}" type="datetimeFigureOut">
               <a:rPr lang="ru-RU" smtClean="0"/>
-              <a:t>29.11.2021</a:t>
+              <a:t>24.04.2023</a:t>
             </a:fld>
             <a:endParaRPr lang="ru-RU"/>
           </a:p>
@@ -3652,7 +3652,7 @@
           <a:p>
             <a:fld id="{A193646C-F49A-4670-8098-81142323192A}" type="datetimeFigureOut">
               <a:rPr lang="ru-RU" smtClean="0"/>
-              <a:t>29.11.2021</a:t>
+              <a:t>24.04.2023</a:t>
             </a:fld>
             <a:endParaRPr lang="ru-RU"/>
           </a:p>
@@ -3822,7 +3822,7 @@
           <a:p>
             <a:fld id="{A193646C-F49A-4670-8098-81142323192A}" type="datetimeFigureOut">
               <a:rPr lang="ru-RU" smtClean="0"/>
-              <a:t>29.11.2021</a:t>
+              <a:t>24.04.2023</a:t>
             </a:fld>
             <a:endParaRPr lang="ru-RU"/>
           </a:p>
@@ -4068,7 +4068,7 @@
           <a:p>
             <a:fld id="{A193646C-F49A-4670-8098-81142323192A}" type="datetimeFigureOut">
               <a:rPr lang="ru-RU" smtClean="0"/>
-              <a:t>29.11.2021</a:t>
+              <a:t>24.04.2023</a:t>
             </a:fld>
             <a:endParaRPr lang="ru-RU"/>
           </a:p>
@@ -4356,7 +4356,7 @@
           <a:p>
             <a:fld id="{A193646C-F49A-4670-8098-81142323192A}" type="datetimeFigureOut">
               <a:rPr lang="ru-RU" smtClean="0"/>
-              <a:t>29.11.2021</a:t>
+              <a:t>24.04.2023</a:t>
             </a:fld>
             <a:endParaRPr lang="ru-RU"/>
           </a:p>
@@ -4778,7 +4778,7 @@
           <a:p>
             <a:fld id="{A193646C-F49A-4670-8098-81142323192A}" type="datetimeFigureOut">
               <a:rPr lang="ru-RU" smtClean="0"/>
-              <a:t>29.11.2021</a:t>
+              <a:t>24.04.2023</a:t>
             </a:fld>
             <a:endParaRPr lang="ru-RU"/>
           </a:p>
@@ -4896,7 +4896,7 @@
           <a:p>
             <a:fld id="{A193646C-F49A-4670-8098-81142323192A}" type="datetimeFigureOut">
               <a:rPr lang="ru-RU" smtClean="0"/>
-              <a:t>29.11.2021</a:t>
+              <a:t>24.04.2023</a:t>
             </a:fld>
             <a:endParaRPr lang="ru-RU"/>
           </a:p>
@@ -4991,7 +4991,7 @@
           <a:p>
             <a:fld id="{A193646C-F49A-4670-8098-81142323192A}" type="datetimeFigureOut">
               <a:rPr lang="ru-RU" smtClean="0"/>
-              <a:t>29.11.2021</a:t>
+              <a:t>24.04.2023</a:t>
             </a:fld>
             <a:endParaRPr lang="ru-RU"/>
           </a:p>
@@ -5268,7 +5268,7 @@
           <a:p>
             <a:fld id="{A193646C-F49A-4670-8098-81142323192A}" type="datetimeFigureOut">
               <a:rPr lang="ru-RU" smtClean="0"/>
-              <a:t>29.11.2021</a:t>
+              <a:t>24.04.2023</a:t>
             </a:fld>
             <a:endParaRPr lang="ru-RU"/>
           </a:p>
@@ -5521,7 +5521,7 @@
           <a:p>
             <a:fld id="{A193646C-F49A-4670-8098-81142323192A}" type="datetimeFigureOut">
               <a:rPr lang="ru-RU" smtClean="0"/>
-              <a:t>29.11.2021</a:t>
+              <a:t>24.04.2023</a:t>
             </a:fld>
             <a:endParaRPr lang="ru-RU"/>
           </a:p>
@@ -5734,7 +5734,7 @@
           <a:p>
             <a:fld id="{A193646C-F49A-4670-8098-81142323192A}" type="datetimeFigureOut">
               <a:rPr lang="ru-RU" smtClean="0"/>
-              <a:t>29.11.2021</a:t>
+              <a:t>24.04.2023</a:t>
             </a:fld>
             <a:endParaRPr lang="ru-RU"/>
           </a:p>
@@ -9863,7 +9863,7 @@
         </p:nvSpPr>
         <p:spPr>
           <a:xfrm>
-            <a:off x="457200" y="188640"/>
+            <a:off x="457200" y="148343"/>
             <a:ext cx="8229600" cy="432048"/>
           </a:xfrm>
         </p:spPr>
@@ -9932,13 +9932,13 @@
           <p:nvPr>
             <p:extLst>
               <p:ext uri="{D42A27DB-BD31-4B8C-83A1-F6EECF244321}">
-                <p14:modId xmlns:p14="http://schemas.microsoft.com/office/powerpoint/2010/main" val="3925708849"/>
+                <p14:modId xmlns:p14="http://schemas.microsoft.com/office/powerpoint/2010/main" val="989385621"/>
               </p:ext>
             </p:extLst>
           </p:nvPr>
         </p:nvGraphicFramePr>
         <p:xfrm>
-          <a:off x="179513" y="908720"/>
+          <a:off x="179513" y="931992"/>
           <a:ext cx="8784974" cy="5265822"/>
         </p:xfrm>
         <a:graphic>
@@ -12837,7 +12837,7 @@
                     <a:p>
                       <a:pPr fontAlgn="t"/>
                       <a:r>
-                        <a:rPr lang="ru-RU" sz="1700">
+                        <a:rPr lang="ru-RU" sz="1700" dirty="0">
                           <a:effectLst/>
                         </a:rPr>
                         <a:t>для объединительной платы</a:t>
@@ -13355,7 +13355,7 @@
                     <a:p>
                       <a:pPr fontAlgn="t"/>
                       <a:r>
-                        <a:rPr lang="en-US" sz="1700">
+                        <a:rPr lang="en-US" sz="1700" dirty="0">
                           <a:effectLst/>
                         </a:rPr>
                         <a:t>1000BASE‑ZX</a:t>
@@ -14472,7 +14472,7 @@
                         <a:tabLst/>
                       </a:pPr>
                       <a:r>
-                        <a:rPr kumimoji="0" lang="en-US" altLang="ru-RU" sz="1600" b="1" i="0" u="none" strike="noStrike" cap="none" normalizeH="0" baseline="0" smtClean="0">
+                        <a:rPr kumimoji="0" lang="en-US" altLang="ru-RU" sz="1600" b="1" i="0" u="none" strike="noStrike" cap="none" normalizeH="0" baseline="0" dirty="0" smtClean="0">
                           <a:ln>
                             <a:noFill/>
                           </a:ln>
@@ -14484,7 +14484,7 @@
                         </a:rPr>
                         <a:t>DA</a:t>
                       </a:r>
-                      <a:endParaRPr kumimoji="0" lang="ru-RU" altLang="ru-RU" sz="1600" b="1" i="0" u="none" strike="noStrike" cap="none" normalizeH="0" baseline="0" smtClean="0">
+                      <a:endParaRPr kumimoji="0" lang="ru-RU" altLang="ru-RU" sz="1600" b="1" i="0" u="none" strike="noStrike" cap="none" normalizeH="0" baseline="0" dirty="0" smtClean="0">
                         <a:ln>
                           <a:noFill/>
                         </a:ln>
@@ -14678,7 +14678,7 @@
                         <a:tabLst/>
                       </a:pPr>
                       <a:r>
-                        <a:rPr kumimoji="0" lang="en-US" altLang="ru-RU" sz="1600" b="1" i="0" u="none" strike="noStrike" cap="none" normalizeH="0" baseline="0" smtClean="0">
+                        <a:rPr kumimoji="0" lang="en-US" altLang="ru-RU" sz="1600" b="1" i="0" u="none" strike="noStrike" cap="none" normalizeH="0" baseline="0" dirty="0" smtClean="0">
                           <a:ln>
                             <a:noFill/>
                           </a:ln>
@@ -14690,7 +14690,7 @@
                         </a:rPr>
                         <a:t>SA</a:t>
                       </a:r>
-                      <a:endParaRPr kumimoji="0" lang="ru-RU" altLang="ru-RU" sz="1600" b="1" i="0" u="none" strike="noStrike" cap="none" normalizeH="0" baseline="0" smtClean="0">
+                      <a:endParaRPr kumimoji="0" lang="ru-RU" altLang="ru-RU" sz="1600" b="1" i="0" u="none" strike="noStrike" cap="none" normalizeH="0" baseline="0" dirty="0" smtClean="0">
                         <a:ln>
                           <a:noFill/>
                         </a:ln>
@@ -14884,7 +14884,7 @@
                         <a:tabLst/>
                       </a:pPr>
                       <a:r>
-                        <a:rPr kumimoji="0" lang="en-US" altLang="ru-RU" sz="1600" b="1" i="0" u="none" strike="noStrike" cap="none" normalizeH="0" baseline="0" smtClean="0">
+                        <a:rPr kumimoji="0" lang="en-US" altLang="ru-RU" sz="1600" b="1" i="0" u="none" strike="noStrike" cap="none" normalizeH="0" baseline="0" dirty="0" smtClean="0">
                           <a:ln>
                             <a:noFill/>
                           </a:ln>
@@ -14896,7 +14896,7 @@
                         </a:rPr>
                         <a:t>T|L</a:t>
                       </a:r>
-                      <a:endParaRPr kumimoji="0" lang="ru-RU" altLang="ru-RU" sz="1600" b="1" i="0" u="none" strike="noStrike" cap="none" normalizeH="0" baseline="0" smtClean="0">
+                      <a:endParaRPr kumimoji="0" lang="ru-RU" altLang="ru-RU" sz="1600" b="1" i="0" u="none" strike="noStrike" cap="none" normalizeH="0" baseline="0" dirty="0" smtClean="0">
                         <a:ln>
                           <a:noFill/>
                         </a:ln>
@@ -15296,7 +15296,7 @@
                         <a:tabLst/>
                       </a:pPr>
                       <a:r>
-                        <a:rPr kumimoji="0" lang="en-US" altLang="ru-RU" sz="1600" b="1" i="0" u="none" strike="noStrike" cap="none" normalizeH="0" baseline="0" smtClean="0">
+                        <a:rPr kumimoji="0" lang="en-US" altLang="ru-RU" sz="1600" b="1" i="0" u="none" strike="noStrike" cap="none" normalizeH="0" baseline="0" dirty="0" smtClean="0">
                           <a:ln>
                             <a:noFill/>
                           </a:ln>
@@ -15308,7 +15308,7 @@
                         </a:rPr>
                         <a:t>(Pad)</a:t>
                       </a:r>
-                      <a:endParaRPr kumimoji="0" lang="ru-RU" altLang="ru-RU" sz="1600" b="1" i="0" u="none" strike="noStrike" cap="none" normalizeH="0" baseline="0" smtClean="0">
+                      <a:endParaRPr kumimoji="0" lang="ru-RU" altLang="ru-RU" sz="1600" b="1" i="0" u="none" strike="noStrike" cap="none" normalizeH="0" baseline="0" dirty="0" smtClean="0">
                         <a:ln>
                           <a:noFill/>
                         </a:ln>
@@ -29525,7 +29525,7 @@
                     <a:p>
                       <a:pPr fontAlgn="t"/>
                       <a:r>
-                        <a:rPr lang="ru-RU" sz="1700">
+                        <a:rPr lang="ru-RU" sz="1700" dirty="0">
                           <a:effectLst/>
                         </a:rPr>
                         <a:t>2003</a:t>
@@ -32992,7 +32992,7 @@
                     <a:p>
                       <a:pPr fontAlgn="t"/>
                       <a:r>
-                        <a:rPr lang="ru-RU" sz="1700">
+                        <a:rPr lang="ru-RU" sz="1700" dirty="0">
                           <a:effectLst/>
                         </a:rPr>
                         <a:t>2009</a:t>
@@ -33160,7 +33160,7 @@
                     <a:p>
                       <a:pPr fontAlgn="t"/>
                       <a:r>
-                        <a:rPr lang="ru-RU" sz="1700">
+                        <a:rPr lang="ru-RU" sz="1700" dirty="0">
                           <a:effectLst/>
                         </a:rPr>
                         <a:t>20 км</a:t>
@@ -34239,7 +34239,7 @@
                     <a:p>
                       <a:pPr fontAlgn="t"/>
                       <a:r>
-                        <a:rPr lang="ru-RU" sz="2000">
+                        <a:rPr lang="ru-RU" sz="2000" dirty="0">
                           <a:effectLst/>
                         </a:rPr>
                         <a:t>100 м</a:t>
@@ -35484,18 +35484,18 @@
                     <a:p>
                       <a:pPr fontAlgn="t"/>
                       <a:r>
-                        <a:rPr lang="ru-RU" sz="1700">
+                        <a:rPr lang="ru-RU" sz="1700" dirty="0">
                           <a:effectLst/>
                         </a:rPr>
                         <a:t>40</a:t>
                       </a:r>
                       <a:br>
-                        <a:rPr lang="ru-RU" sz="1700">
+                        <a:rPr lang="ru-RU" sz="1700" dirty="0">
                           <a:effectLst/>
                         </a:rPr>
                       </a:br>
                       <a:r>
-                        <a:rPr lang="ru-RU" sz="1700">
+                        <a:rPr lang="ru-RU" sz="1700" dirty="0">
                           <a:effectLst/>
                         </a:rPr>
                         <a:t>100</a:t>
@@ -36246,7 +36246,7 @@
                     <a:p>
                       <a:pPr fontAlgn="t"/>
                       <a:r>
-                        <a:rPr lang="ru-RU" sz="1700">
+                        <a:rPr lang="ru-RU" sz="1700" dirty="0">
                           <a:effectLst/>
                         </a:rPr>
                         <a:t>40</a:t>
@@ -39744,7 +39744,7 @@
           <a:graphicData uri="http://schemas.openxmlformats.org/presentationml/2006/ole">
             <mc:AlternateContent xmlns:mc="http://schemas.openxmlformats.org/markup-compatibility/2006">
               <mc:Choice xmlns:v="urn:schemas-microsoft-com:vml" Requires="v">
-                <p:oleObj spid="_x0000_s17421" name="CorelDRAW" r:id="rId4" imgW="3673754" imgH="559308" progId="CorelDRAW.Graphic.11">
+                <p:oleObj spid="_x0000_s17423" name="CorelDRAW" r:id="rId4" imgW="3673754" imgH="559308" progId="CorelDRAW.Graphic.11">
                   <p:embed/>
                 </p:oleObj>
               </mc:Choice>
